--- a/ppt 16-9/0622.赞主慈爱.pptx
+++ b/ppt 16-9/0622.赞主慈爱.pptx
@@ -5,7 +5,7 @@
     <p:sldMasterId id="2147483648" r:id="rId1"/>
   </p:sldMasterIdLst>
   <p:sldIdLst>
-    <p:sldId id="2416" r:id="rId2"/>
+    <p:sldId id="2417" r:id="rId2"/>
   </p:sldIdLst>
   <p:sldSz cx="12192000" cy="6858000"/>
   <p:notesSz cx="6858000" cy="9144000"/>
@@ -129,7 +129,7 @@
           <p:cNvPr id="2" name="标题 1">
             <a:extLst>
               <a:ext uri="{FF2B5EF4-FFF2-40B4-BE49-F238E27FC236}">
-                <a16:creationId xmlns:a16="http://schemas.microsoft.com/office/drawing/2014/main" id="{19903BDB-460E-3CA0-CA2C-0DBBFA66124A}"/>
+                <a16:creationId xmlns:a16="http://schemas.microsoft.com/office/drawing/2014/main" id="{D7C42AEE-8848-E47B-D681-EF4044047C6C}"/>
               </a:ext>
             </a:extLst>
           </p:cNvPr>
@@ -166,7 +166,7 @@
           <p:cNvPr id="3" name="副标题 2">
             <a:extLst>
               <a:ext uri="{FF2B5EF4-FFF2-40B4-BE49-F238E27FC236}">
-                <a16:creationId xmlns:a16="http://schemas.microsoft.com/office/drawing/2014/main" id="{4ED5C749-56B3-80BB-D8CE-257F319255F5}"/>
+                <a16:creationId xmlns:a16="http://schemas.microsoft.com/office/drawing/2014/main" id="{1B85FA5B-931D-EEA9-C722-5B67A348D466}"/>
               </a:ext>
             </a:extLst>
           </p:cNvPr>
@@ -236,7 +236,7 @@
           <p:cNvPr id="4" name="日期占位符 3">
             <a:extLst>
               <a:ext uri="{FF2B5EF4-FFF2-40B4-BE49-F238E27FC236}">
-                <a16:creationId xmlns:a16="http://schemas.microsoft.com/office/drawing/2014/main" id="{986A104F-16CD-A410-7C4A-A569EF4178A3}"/>
+                <a16:creationId xmlns:a16="http://schemas.microsoft.com/office/drawing/2014/main" id="{3DE5722F-8113-C1FD-0749-6005BD4098D1}"/>
               </a:ext>
             </a:extLst>
           </p:cNvPr>
@@ -252,7 +252,7 @@
           <a:bodyPr/>
           <a:lstStyle/>
           <a:p>
-            <a:fld id="{220D7B9F-D805-4023-B766-0405CB992E7E}" type="datetimeFigureOut">
+            <a:fld id="{8251C5C7-F8E5-4972-BDF8-715EEBF24941}" type="datetimeFigureOut">
               <a:rPr lang="zh-CN" altLang="en-US" smtClean="0"/>
               <a:t>2024/3/10</a:t>
             </a:fld>
@@ -265,7 +265,7 @@
           <p:cNvPr id="5" name="页脚占位符 4">
             <a:extLst>
               <a:ext uri="{FF2B5EF4-FFF2-40B4-BE49-F238E27FC236}">
-                <a16:creationId xmlns:a16="http://schemas.microsoft.com/office/drawing/2014/main" id="{8EAD25C6-AF1F-7746-F128-B3FC94422C47}"/>
+                <a16:creationId xmlns:a16="http://schemas.microsoft.com/office/drawing/2014/main" id="{8F984486-FB48-F55D-34F8-0CF4E802A3C1}"/>
               </a:ext>
             </a:extLst>
           </p:cNvPr>
@@ -290,7 +290,7 @@
           <p:cNvPr id="6" name="灯片编号占位符 5">
             <a:extLst>
               <a:ext uri="{FF2B5EF4-FFF2-40B4-BE49-F238E27FC236}">
-                <a16:creationId xmlns:a16="http://schemas.microsoft.com/office/drawing/2014/main" id="{F6289E8C-E19B-0C25-CAD0-68653783A836}"/>
+                <a16:creationId xmlns:a16="http://schemas.microsoft.com/office/drawing/2014/main" id="{F67B7956-50BE-1A6D-B651-D9A1488B89D4}"/>
               </a:ext>
             </a:extLst>
           </p:cNvPr>
@@ -306,7 +306,7 @@
           <a:bodyPr/>
           <a:lstStyle/>
           <a:p>
-            <a:fld id="{ECB438BD-2403-4504-8E18-7FECDA56ED41}" type="slidenum">
+            <a:fld id="{3F028630-BFC1-4F13-9E7F-436826156852}" type="slidenum">
               <a:rPr lang="zh-CN" altLang="en-US" smtClean="0"/>
               <a:t>‹#›</a:t>
             </a:fld>
@@ -317,7 +317,7 @@
     </p:spTree>
     <p:extLst>
       <p:ext uri="{BB962C8B-B14F-4D97-AF65-F5344CB8AC3E}">
-        <p14:creationId xmlns:p14="http://schemas.microsoft.com/office/powerpoint/2010/main" val="648098487"/>
+        <p14:creationId xmlns:p14="http://schemas.microsoft.com/office/powerpoint/2010/main" val="3446311563"/>
       </p:ext>
     </p:extLst>
   </p:cSld>
@@ -349,7 +349,7 @@
           <p:cNvPr id="2" name="标题 1">
             <a:extLst>
               <a:ext uri="{FF2B5EF4-FFF2-40B4-BE49-F238E27FC236}">
-                <a16:creationId xmlns:a16="http://schemas.microsoft.com/office/drawing/2014/main" id="{6E31E5E2-1BF0-0184-AB50-5F48DD05AD9C}"/>
+                <a16:creationId xmlns:a16="http://schemas.microsoft.com/office/drawing/2014/main" id="{157B0998-2D76-6D10-9EFD-A26D62AC4934}"/>
               </a:ext>
             </a:extLst>
           </p:cNvPr>
@@ -377,7 +377,7 @@
           <p:cNvPr id="3" name="竖排文字占位符 2">
             <a:extLst>
               <a:ext uri="{FF2B5EF4-FFF2-40B4-BE49-F238E27FC236}">
-                <a16:creationId xmlns:a16="http://schemas.microsoft.com/office/drawing/2014/main" id="{848C35AE-EDED-4222-ABB6-DF17E7AE040F}"/>
+                <a16:creationId xmlns:a16="http://schemas.microsoft.com/office/drawing/2014/main" id="{E0CC678F-2CF8-4301-6ED2-52A11422315C}"/>
               </a:ext>
             </a:extLst>
           </p:cNvPr>
@@ -434,7 +434,7 @@
           <p:cNvPr id="4" name="日期占位符 3">
             <a:extLst>
               <a:ext uri="{FF2B5EF4-FFF2-40B4-BE49-F238E27FC236}">
-                <a16:creationId xmlns:a16="http://schemas.microsoft.com/office/drawing/2014/main" id="{6D618EE6-5ACA-14F9-AE37-994E83AC7A96}"/>
+                <a16:creationId xmlns:a16="http://schemas.microsoft.com/office/drawing/2014/main" id="{869DA240-2144-5F2F-22E6-6CD5895772B3}"/>
               </a:ext>
             </a:extLst>
           </p:cNvPr>
@@ -450,7 +450,7 @@
           <a:bodyPr/>
           <a:lstStyle/>
           <a:p>
-            <a:fld id="{220D7B9F-D805-4023-B766-0405CB992E7E}" type="datetimeFigureOut">
+            <a:fld id="{8251C5C7-F8E5-4972-BDF8-715EEBF24941}" type="datetimeFigureOut">
               <a:rPr lang="zh-CN" altLang="en-US" smtClean="0"/>
               <a:t>2024/3/10</a:t>
             </a:fld>
@@ -463,7 +463,7 @@
           <p:cNvPr id="5" name="页脚占位符 4">
             <a:extLst>
               <a:ext uri="{FF2B5EF4-FFF2-40B4-BE49-F238E27FC236}">
-                <a16:creationId xmlns:a16="http://schemas.microsoft.com/office/drawing/2014/main" id="{1C5B64FC-4CFD-845B-550E-29E31B17C3EC}"/>
+                <a16:creationId xmlns:a16="http://schemas.microsoft.com/office/drawing/2014/main" id="{998C0DD0-DB45-B029-24B6-C23D65B5D89F}"/>
               </a:ext>
             </a:extLst>
           </p:cNvPr>
@@ -488,7 +488,7 @@
           <p:cNvPr id="6" name="灯片编号占位符 5">
             <a:extLst>
               <a:ext uri="{FF2B5EF4-FFF2-40B4-BE49-F238E27FC236}">
-                <a16:creationId xmlns:a16="http://schemas.microsoft.com/office/drawing/2014/main" id="{DF0C88F7-1B4C-7049-C978-ACC3DFB8D010}"/>
+                <a16:creationId xmlns:a16="http://schemas.microsoft.com/office/drawing/2014/main" id="{D590422D-EDBF-5F7C-BF49-C00E43D05468}"/>
               </a:ext>
             </a:extLst>
           </p:cNvPr>
@@ -504,7 +504,7 @@
           <a:bodyPr/>
           <a:lstStyle/>
           <a:p>
-            <a:fld id="{ECB438BD-2403-4504-8E18-7FECDA56ED41}" type="slidenum">
+            <a:fld id="{3F028630-BFC1-4F13-9E7F-436826156852}" type="slidenum">
               <a:rPr lang="zh-CN" altLang="en-US" smtClean="0"/>
               <a:t>‹#›</a:t>
             </a:fld>
@@ -515,7 +515,7 @@
     </p:spTree>
     <p:extLst>
       <p:ext uri="{BB962C8B-B14F-4D97-AF65-F5344CB8AC3E}">
-        <p14:creationId xmlns:p14="http://schemas.microsoft.com/office/powerpoint/2010/main" val="3105536074"/>
+        <p14:creationId xmlns:p14="http://schemas.microsoft.com/office/powerpoint/2010/main" val="3691627869"/>
       </p:ext>
     </p:extLst>
   </p:cSld>
@@ -547,7 +547,7 @@
           <p:cNvPr id="2" name="竖排标题 1">
             <a:extLst>
               <a:ext uri="{FF2B5EF4-FFF2-40B4-BE49-F238E27FC236}">
-                <a16:creationId xmlns:a16="http://schemas.microsoft.com/office/drawing/2014/main" id="{52D9B4C5-4E29-1F06-8E37-E6A151899B49}"/>
+                <a16:creationId xmlns:a16="http://schemas.microsoft.com/office/drawing/2014/main" id="{72849B0F-2396-DEAB-36D6-DDB829750CC0}"/>
               </a:ext>
             </a:extLst>
           </p:cNvPr>
@@ -580,7 +580,7 @@
           <p:cNvPr id="3" name="竖排文字占位符 2">
             <a:extLst>
               <a:ext uri="{FF2B5EF4-FFF2-40B4-BE49-F238E27FC236}">
-                <a16:creationId xmlns:a16="http://schemas.microsoft.com/office/drawing/2014/main" id="{019C9F23-6C33-80FB-BB29-F919EA4738FC}"/>
+                <a16:creationId xmlns:a16="http://schemas.microsoft.com/office/drawing/2014/main" id="{F2C0EC6C-F4A1-0241-924E-E1F553C8C4DB}"/>
               </a:ext>
             </a:extLst>
           </p:cNvPr>
@@ -642,7 +642,7 @@
           <p:cNvPr id="4" name="日期占位符 3">
             <a:extLst>
               <a:ext uri="{FF2B5EF4-FFF2-40B4-BE49-F238E27FC236}">
-                <a16:creationId xmlns:a16="http://schemas.microsoft.com/office/drawing/2014/main" id="{73E7BC13-AEE6-A7A6-1FD3-92F35BE5AF93}"/>
+                <a16:creationId xmlns:a16="http://schemas.microsoft.com/office/drawing/2014/main" id="{AB2133A2-9081-C3ED-A551-8658053D366A}"/>
               </a:ext>
             </a:extLst>
           </p:cNvPr>
@@ -658,7 +658,7 @@
           <a:bodyPr/>
           <a:lstStyle/>
           <a:p>
-            <a:fld id="{220D7B9F-D805-4023-B766-0405CB992E7E}" type="datetimeFigureOut">
+            <a:fld id="{8251C5C7-F8E5-4972-BDF8-715EEBF24941}" type="datetimeFigureOut">
               <a:rPr lang="zh-CN" altLang="en-US" smtClean="0"/>
               <a:t>2024/3/10</a:t>
             </a:fld>
@@ -671,7 +671,7 @@
           <p:cNvPr id="5" name="页脚占位符 4">
             <a:extLst>
               <a:ext uri="{FF2B5EF4-FFF2-40B4-BE49-F238E27FC236}">
-                <a16:creationId xmlns:a16="http://schemas.microsoft.com/office/drawing/2014/main" id="{14B6D29D-400D-77CA-11F4-9AB3BDC5459D}"/>
+                <a16:creationId xmlns:a16="http://schemas.microsoft.com/office/drawing/2014/main" id="{D4DFAA48-673E-91DB-577F-3C27264AF7D7}"/>
               </a:ext>
             </a:extLst>
           </p:cNvPr>
@@ -696,7 +696,7 @@
           <p:cNvPr id="6" name="灯片编号占位符 5">
             <a:extLst>
               <a:ext uri="{FF2B5EF4-FFF2-40B4-BE49-F238E27FC236}">
-                <a16:creationId xmlns:a16="http://schemas.microsoft.com/office/drawing/2014/main" id="{7882A070-AAD7-9C9B-9B32-03BEA34FEDB1}"/>
+                <a16:creationId xmlns:a16="http://schemas.microsoft.com/office/drawing/2014/main" id="{BF0E23EB-D89C-37E1-9B7F-15182561FB04}"/>
               </a:ext>
             </a:extLst>
           </p:cNvPr>
@@ -712,7 +712,7 @@
           <a:bodyPr/>
           <a:lstStyle/>
           <a:p>
-            <a:fld id="{ECB438BD-2403-4504-8E18-7FECDA56ED41}" type="slidenum">
+            <a:fld id="{3F028630-BFC1-4F13-9E7F-436826156852}" type="slidenum">
               <a:rPr lang="zh-CN" altLang="en-US" smtClean="0"/>
               <a:t>‹#›</a:t>
             </a:fld>
@@ -723,7 +723,7 @@
     </p:spTree>
     <p:extLst>
       <p:ext uri="{BB962C8B-B14F-4D97-AF65-F5344CB8AC3E}">
-        <p14:creationId xmlns:p14="http://schemas.microsoft.com/office/powerpoint/2010/main" val="2249838233"/>
+        <p14:creationId xmlns:p14="http://schemas.microsoft.com/office/powerpoint/2010/main" val="285093051"/>
       </p:ext>
     </p:extLst>
   </p:cSld>
@@ -755,7 +755,7 @@
           <p:cNvPr id="2" name="标题 1">
             <a:extLst>
               <a:ext uri="{FF2B5EF4-FFF2-40B4-BE49-F238E27FC236}">
-                <a16:creationId xmlns:a16="http://schemas.microsoft.com/office/drawing/2014/main" id="{4B6E331A-F4A9-BAC6-B027-DCD7A7F9B90D}"/>
+                <a16:creationId xmlns:a16="http://schemas.microsoft.com/office/drawing/2014/main" id="{96D6E98D-71F5-42A2-BFE1-22EC5B02410E}"/>
               </a:ext>
             </a:extLst>
           </p:cNvPr>
@@ -783,7 +783,7 @@
           <p:cNvPr id="3" name="内容占位符 2">
             <a:extLst>
               <a:ext uri="{FF2B5EF4-FFF2-40B4-BE49-F238E27FC236}">
-                <a16:creationId xmlns:a16="http://schemas.microsoft.com/office/drawing/2014/main" id="{46D5F3C4-FFEF-83D4-A022-EEB4F7DD3015}"/>
+                <a16:creationId xmlns:a16="http://schemas.microsoft.com/office/drawing/2014/main" id="{85FAA48F-8593-8E77-6643-31A6E3659B29}"/>
               </a:ext>
             </a:extLst>
           </p:cNvPr>
@@ -840,7 +840,7 @@
           <p:cNvPr id="4" name="日期占位符 3">
             <a:extLst>
               <a:ext uri="{FF2B5EF4-FFF2-40B4-BE49-F238E27FC236}">
-                <a16:creationId xmlns:a16="http://schemas.microsoft.com/office/drawing/2014/main" id="{AB7BE53E-7C82-BBF4-03DB-2963E738B34C}"/>
+                <a16:creationId xmlns:a16="http://schemas.microsoft.com/office/drawing/2014/main" id="{B6952B9B-FCC3-999D-1EBE-FBB02A51CCF3}"/>
               </a:ext>
             </a:extLst>
           </p:cNvPr>
@@ -856,7 +856,7 @@
           <a:bodyPr/>
           <a:lstStyle/>
           <a:p>
-            <a:fld id="{220D7B9F-D805-4023-B766-0405CB992E7E}" type="datetimeFigureOut">
+            <a:fld id="{8251C5C7-F8E5-4972-BDF8-715EEBF24941}" type="datetimeFigureOut">
               <a:rPr lang="zh-CN" altLang="en-US" smtClean="0"/>
               <a:t>2024/3/10</a:t>
             </a:fld>
@@ -869,7 +869,7 @@
           <p:cNvPr id="5" name="页脚占位符 4">
             <a:extLst>
               <a:ext uri="{FF2B5EF4-FFF2-40B4-BE49-F238E27FC236}">
-                <a16:creationId xmlns:a16="http://schemas.microsoft.com/office/drawing/2014/main" id="{92C8F2AF-9438-9CEB-80F6-D9E568F8EFC7}"/>
+                <a16:creationId xmlns:a16="http://schemas.microsoft.com/office/drawing/2014/main" id="{701F531C-0EE5-55B5-CB1A-90AEE7B614BD}"/>
               </a:ext>
             </a:extLst>
           </p:cNvPr>
@@ -894,7 +894,7 @@
           <p:cNvPr id="6" name="灯片编号占位符 5">
             <a:extLst>
               <a:ext uri="{FF2B5EF4-FFF2-40B4-BE49-F238E27FC236}">
-                <a16:creationId xmlns:a16="http://schemas.microsoft.com/office/drawing/2014/main" id="{178D0415-94D1-045E-1B77-975D0126C41C}"/>
+                <a16:creationId xmlns:a16="http://schemas.microsoft.com/office/drawing/2014/main" id="{90CC7DF7-4E4F-A326-A631-CFD01AE3A95A}"/>
               </a:ext>
             </a:extLst>
           </p:cNvPr>
@@ -910,7 +910,7 @@
           <a:bodyPr/>
           <a:lstStyle/>
           <a:p>
-            <a:fld id="{ECB438BD-2403-4504-8E18-7FECDA56ED41}" type="slidenum">
+            <a:fld id="{3F028630-BFC1-4F13-9E7F-436826156852}" type="slidenum">
               <a:rPr lang="zh-CN" altLang="en-US" smtClean="0"/>
               <a:t>‹#›</a:t>
             </a:fld>
@@ -921,7 +921,7 @@
     </p:spTree>
     <p:extLst>
       <p:ext uri="{BB962C8B-B14F-4D97-AF65-F5344CB8AC3E}">
-        <p14:creationId xmlns:p14="http://schemas.microsoft.com/office/powerpoint/2010/main" val="4140911899"/>
+        <p14:creationId xmlns:p14="http://schemas.microsoft.com/office/powerpoint/2010/main" val="3170927017"/>
       </p:ext>
     </p:extLst>
   </p:cSld>
@@ -953,7 +953,7 @@
           <p:cNvPr id="2" name="标题 1">
             <a:extLst>
               <a:ext uri="{FF2B5EF4-FFF2-40B4-BE49-F238E27FC236}">
-                <a16:creationId xmlns:a16="http://schemas.microsoft.com/office/drawing/2014/main" id="{60CE512A-2D38-7637-166D-AB327C682A82}"/>
+                <a16:creationId xmlns:a16="http://schemas.microsoft.com/office/drawing/2014/main" id="{B1C02659-F4BB-BCB5-33FE-11282314EC78}"/>
               </a:ext>
             </a:extLst>
           </p:cNvPr>
@@ -990,7 +990,7 @@
           <p:cNvPr id="3" name="文本占位符 2">
             <a:extLst>
               <a:ext uri="{FF2B5EF4-FFF2-40B4-BE49-F238E27FC236}">
-                <a16:creationId xmlns:a16="http://schemas.microsoft.com/office/drawing/2014/main" id="{E9D1AB05-DDC4-85D3-1134-EB742B326234}"/>
+                <a16:creationId xmlns:a16="http://schemas.microsoft.com/office/drawing/2014/main" id="{5B97FE2E-13A2-FB2C-05C1-5EA8E99C968F}"/>
               </a:ext>
             </a:extLst>
           </p:cNvPr>
@@ -1115,7 +1115,7 @@
           <p:cNvPr id="4" name="日期占位符 3">
             <a:extLst>
               <a:ext uri="{FF2B5EF4-FFF2-40B4-BE49-F238E27FC236}">
-                <a16:creationId xmlns:a16="http://schemas.microsoft.com/office/drawing/2014/main" id="{C83AFE39-D782-721A-59F1-423D8304397D}"/>
+                <a16:creationId xmlns:a16="http://schemas.microsoft.com/office/drawing/2014/main" id="{542BB6C3-9DD3-332D-9761-6C7658F428BA}"/>
               </a:ext>
             </a:extLst>
           </p:cNvPr>
@@ -1131,7 +1131,7 @@
           <a:bodyPr/>
           <a:lstStyle/>
           <a:p>
-            <a:fld id="{220D7B9F-D805-4023-B766-0405CB992E7E}" type="datetimeFigureOut">
+            <a:fld id="{8251C5C7-F8E5-4972-BDF8-715EEBF24941}" type="datetimeFigureOut">
               <a:rPr lang="zh-CN" altLang="en-US" smtClean="0"/>
               <a:t>2024/3/10</a:t>
             </a:fld>
@@ -1144,7 +1144,7 @@
           <p:cNvPr id="5" name="页脚占位符 4">
             <a:extLst>
               <a:ext uri="{FF2B5EF4-FFF2-40B4-BE49-F238E27FC236}">
-                <a16:creationId xmlns:a16="http://schemas.microsoft.com/office/drawing/2014/main" id="{B5E65FA4-3B1F-718A-B88C-B2C3A961C6CA}"/>
+                <a16:creationId xmlns:a16="http://schemas.microsoft.com/office/drawing/2014/main" id="{9BE1CAFA-128F-C7B1-B84D-0570917CADFC}"/>
               </a:ext>
             </a:extLst>
           </p:cNvPr>
@@ -1169,7 +1169,7 @@
           <p:cNvPr id="6" name="灯片编号占位符 5">
             <a:extLst>
               <a:ext uri="{FF2B5EF4-FFF2-40B4-BE49-F238E27FC236}">
-                <a16:creationId xmlns:a16="http://schemas.microsoft.com/office/drawing/2014/main" id="{84F33F47-522B-C11C-BAB7-92AB4F0E722B}"/>
+                <a16:creationId xmlns:a16="http://schemas.microsoft.com/office/drawing/2014/main" id="{BAF7819C-65AB-AA5B-106B-3B90EFF12D49}"/>
               </a:ext>
             </a:extLst>
           </p:cNvPr>
@@ -1185,7 +1185,7 @@
           <a:bodyPr/>
           <a:lstStyle/>
           <a:p>
-            <a:fld id="{ECB438BD-2403-4504-8E18-7FECDA56ED41}" type="slidenum">
+            <a:fld id="{3F028630-BFC1-4F13-9E7F-436826156852}" type="slidenum">
               <a:rPr lang="zh-CN" altLang="en-US" smtClean="0"/>
               <a:t>‹#›</a:t>
             </a:fld>
@@ -1196,7 +1196,7 @@
     </p:spTree>
     <p:extLst>
       <p:ext uri="{BB962C8B-B14F-4D97-AF65-F5344CB8AC3E}">
-        <p14:creationId xmlns:p14="http://schemas.microsoft.com/office/powerpoint/2010/main" val="4162556656"/>
+        <p14:creationId xmlns:p14="http://schemas.microsoft.com/office/powerpoint/2010/main" val="3299144051"/>
       </p:ext>
     </p:extLst>
   </p:cSld>
@@ -1228,7 +1228,7 @@
           <p:cNvPr id="2" name="标题 1">
             <a:extLst>
               <a:ext uri="{FF2B5EF4-FFF2-40B4-BE49-F238E27FC236}">
-                <a16:creationId xmlns:a16="http://schemas.microsoft.com/office/drawing/2014/main" id="{4AABD5E7-70FD-67F5-B7B2-5403EAF292C3}"/>
+                <a16:creationId xmlns:a16="http://schemas.microsoft.com/office/drawing/2014/main" id="{AEE42F75-8DAC-818F-0B44-60D4974DE3AA}"/>
               </a:ext>
             </a:extLst>
           </p:cNvPr>
@@ -1256,7 +1256,7 @@
           <p:cNvPr id="3" name="内容占位符 2">
             <a:extLst>
               <a:ext uri="{FF2B5EF4-FFF2-40B4-BE49-F238E27FC236}">
-                <a16:creationId xmlns:a16="http://schemas.microsoft.com/office/drawing/2014/main" id="{C393183B-91D9-89FE-044A-E356C4B503CA}"/>
+                <a16:creationId xmlns:a16="http://schemas.microsoft.com/office/drawing/2014/main" id="{26DCB455-3894-7CEC-0472-73BB2839119B}"/>
               </a:ext>
             </a:extLst>
           </p:cNvPr>
@@ -1318,7 +1318,7 @@
           <p:cNvPr id="4" name="内容占位符 3">
             <a:extLst>
               <a:ext uri="{FF2B5EF4-FFF2-40B4-BE49-F238E27FC236}">
-                <a16:creationId xmlns:a16="http://schemas.microsoft.com/office/drawing/2014/main" id="{55A94ABF-D4E9-85A1-4D9F-23CD9ABE6979}"/>
+                <a16:creationId xmlns:a16="http://schemas.microsoft.com/office/drawing/2014/main" id="{5A11EAC9-5519-9F3F-5BB6-D65BEACA79E9}"/>
               </a:ext>
             </a:extLst>
           </p:cNvPr>
@@ -1380,7 +1380,7 @@
           <p:cNvPr id="5" name="日期占位符 4">
             <a:extLst>
               <a:ext uri="{FF2B5EF4-FFF2-40B4-BE49-F238E27FC236}">
-                <a16:creationId xmlns:a16="http://schemas.microsoft.com/office/drawing/2014/main" id="{46AC01D3-525C-29BC-FBAD-D1266EA1750F}"/>
+                <a16:creationId xmlns:a16="http://schemas.microsoft.com/office/drawing/2014/main" id="{DB5F9237-0FB3-BB0C-9105-5CC67D4A76E6}"/>
               </a:ext>
             </a:extLst>
           </p:cNvPr>
@@ -1396,7 +1396,7 @@
           <a:bodyPr/>
           <a:lstStyle/>
           <a:p>
-            <a:fld id="{220D7B9F-D805-4023-B766-0405CB992E7E}" type="datetimeFigureOut">
+            <a:fld id="{8251C5C7-F8E5-4972-BDF8-715EEBF24941}" type="datetimeFigureOut">
               <a:rPr lang="zh-CN" altLang="en-US" smtClean="0"/>
               <a:t>2024/3/10</a:t>
             </a:fld>
@@ -1409,7 +1409,7 @@
           <p:cNvPr id="6" name="页脚占位符 5">
             <a:extLst>
               <a:ext uri="{FF2B5EF4-FFF2-40B4-BE49-F238E27FC236}">
-                <a16:creationId xmlns:a16="http://schemas.microsoft.com/office/drawing/2014/main" id="{83F42723-556F-6B28-DCE3-B0AD5886D450}"/>
+                <a16:creationId xmlns:a16="http://schemas.microsoft.com/office/drawing/2014/main" id="{FA9FE122-B948-1CD5-0C9F-6E9D8F457B3D}"/>
               </a:ext>
             </a:extLst>
           </p:cNvPr>
@@ -1434,7 +1434,7 @@
           <p:cNvPr id="7" name="灯片编号占位符 6">
             <a:extLst>
               <a:ext uri="{FF2B5EF4-FFF2-40B4-BE49-F238E27FC236}">
-                <a16:creationId xmlns:a16="http://schemas.microsoft.com/office/drawing/2014/main" id="{A6610110-3FE6-6E7C-2E53-E4F16568B2C8}"/>
+                <a16:creationId xmlns:a16="http://schemas.microsoft.com/office/drawing/2014/main" id="{EFE6F83F-F2C1-5642-76E9-5E3BE4693DAF}"/>
               </a:ext>
             </a:extLst>
           </p:cNvPr>
@@ -1450,7 +1450,7 @@
           <a:bodyPr/>
           <a:lstStyle/>
           <a:p>
-            <a:fld id="{ECB438BD-2403-4504-8E18-7FECDA56ED41}" type="slidenum">
+            <a:fld id="{3F028630-BFC1-4F13-9E7F-436826156852}" type="slidenum">
               <a:rPr lang="zh-CN" altLang="en-US" smtClean="0"/>
               <a:t>‹#›</a:t>
             </a:fld>
@@ -1461,7 +1461,7 @@
     </p:spTree>
     <p:extLst>
       <p:ext uri="{BB962C8B-B14F-4D97-AF65-F5344CB8AC3E}">
-        <p14:creationId xmlns:p14="http://schemas.microsoft.com/office/powerpoint/2010/main" val="1477611227"/>
+        <p14:creationId xmlns:p14="http://schemas.microsoft.com/office/powerpoint/2010/main" val="588377880"/>
       </p:ext>
     </p:extLst>
   </p:cSld>
@@ -1493,7 +1493,7 @@
           <p:cNvPr id="2" name="标题 1">
             <a:extLst>
               <a:ext uri="{FF2B5EF4-FFF2-40B4-BE49-F238E27FC236}">
-                <a16:creationId xmlns:a16="http://schemas.microsoft.com/office/drawing/2014/main" id="{00273E46-66D0-ED42-59A0-02CD9C07F84A}"/>
+                <a16:creationId xmlns:a16="http://schemas.microsoft.com/office/drawing/2014/main" id="{009B1C37-2A3A-EA1D-7146-3FE417DFAC52}"/>
               </a:ext>
             </a:extLst>
           </p:cNvPr>
@@ -1526,7 +1526,7 @@
           <p:cNvPr id="3" name="文本占位符 2">
             <a:extLst>
               <a:ext uri="{FF2B5EF4-FFF2-40B4-BE49-F238E27FC236}">
-                <a16:creationId xmlns:a16="http://schemas.microsoft.com/office/drawing/2014/main" id="{500DFE51-FA46-CB9F-F8F8-0F99D674985A}"/>
+                <a16:creationId xmlns:a16="http://schemas.microsoft.com/office/drawing/2014/main" id="{110B0BFE-5C8C-64F1-9701-12B1556FDE8F}"/>
               </a:ext>
             </a:extLst>
           </p:cNvPr>
@@ -1597,7 +1597,7 @@
           <p:cNvPr id="4" name="内容占位符 3">
             <a:extLst>
               <a:ext uri="{FF2B5EF4-FFF2-40B4-BE49-F238E27FC236}">
-                <a16:creationId xmlns:a16="http://schemas.microsoft.com/office/drawing/2014/main" id="{CDE35BA9-2A12-0B5A-2AC9-3FC01A818E9C}"/>
+                <a16:creationId xmlns:a16="http://schemas.microsoft.com/office/drawing/2014/main" id="{0C4D69EF-0E4E-24FD-DE3F-BE4A4ACFBE8D}"/>
               </a:ext>
             </a:extLst>
           </p:cNvPr>
@@ -1659,7 +1659,7 @@
           <p:cNvPr id="5" name="文本占位符 4">
             <a:extLst>
               <a:ext uri="{FF2B5EF4-FFF2-40B4-BE49-F238E27FC236}">
-                <a16:creationId xmlns:a16="http://schemas.microsoft.com/office/drawing/2014/main" id="{52869E21-CC92-7116-C205-F66E840BB73F}"/>
+                <a16:creationId xmlns:a16="http://schemas.microsoft.com/office/drawing/2014/main" id="{81B9B328-AE68-3273-6051-0AFF22D99B6B}"/>
               </a:ext>
             </a:extLst>
           </p:cNvPr>
@@ -1730,7 +1730,7 @@
           <p:cNvPr id="6" name="内容占位符 5">
             <a:extLst>
               <a:ext uri="{FF2B5EF4-FFF2-40B4-BE49-F238E27FC236}">
-                <a16:creationId xmlns:a16="http://schemas.microsoft.com/office/drawing/2014/main" id="{C1EBAEDC-EC7B-E156-DB80-53DF4991AAF0}"/>
+                <a16:creationId xmlns:a16="http://schemas.microsoft.com/office/drawing/2014/main" id="{BA6891D8-008F-A442-0EA0-B7B2F96AFCAC}"/>
               </a:ext>
             </a:extLst>
           </p:cNvPr>
@@ -1792,7 +1792,7 @@
           <p:cNvPr id="7" name="日期占位符 6">
             <a:extLst>
               <a:ext uri="{FF2B5EF4-FFF2-40B4-BE49-F238E27FC236}">
-                <a16:creationId xmlns:a16="http://schemas.microsoft.com/office/drawing/2014/main" id="{6006B3D6-5C3B-66D9-D7F9-CC2A6B61A93D}"/>
+                <a16:creationId xmlns:a16="http://schemas.microsoft.com/office/drawing/2014/main" id="{447ADB51-67F7-D712-142A-7A328BE3783E}"/>
               </a:ext>
             </a:extLst>
           </p:cNvPr>
@@ -1808,7 +1808,7 @@
           <a:bodyPr/>
           <a:lstStyle/>
           <a:p>
-            <a:fld id="{220D7B9F-D805-4023-B766-0405CB992E7E}" type="datetimeFigureOut">
+            <a:fld id="{8251C5C7-F8E5-4972-BDF8-715EEBF24941}" type="datetimeFigureOut">
               <a:rPr lang="zh-CN" altLang="en-US" smtClean="0"/>
               <a:t>2024/3/10</a:t>
             </a:fld>
@@ -1821,7 +1821,7 @@
           <p:cNvPr id="8" name="页脚占位符 7">
             <a:extLst>
               <a:ext uri="{FF2B5EF4-FFF2-40B4-BE49-F238E27FC236}">
-                <a16:creationId xmlns:a16="http://schemas.microsoft.com/office/drawing/2014/main" id="{750CEA57-2883-44A8-ED74-891881764FDA}"/>
+                <a16:creationId xmlns:a16="http://schemas.microsoft.com/office/drawing/2014/main" id="{740421A9-A813-CC2A-3542-931647C1D4F4}"/>
               </a:ext>
             </a:extLst>
           </p:cNvPr>
@@ -1846,7 +1846,7 @@
           <p:cNvPr id="9" name="灯片编号占位符 8">
             <a:extLst>
               <a:ext uri="{FF2B5EF4-FFF2-40B4-BE49-F238E27FC236}">
-                <a16:creationId xmlns:a16="http://schemas.microsoft.com/office/drawing/2014/main" id="{1CC34725-FE19-C3AA-69D8-A5B2A31D359B}"/>
+                <a16:creationId xmlns:a16="http://schemas.microsoft.com/office/drawing/2014/main" id="{BF20B4C4-53BA-112C-3082-A70E7AD68D18}"/>
               </a:ext>
             </a:extLst>
           </p:cNvPr>
@@ -1862,7 +1862,7 @@
           <a:bodyPr/>
           <a:lstStyle/>
           <a:p>
-            <a:fld id="{ECB438BD-2403-4504-8E18-7FECDA56ED41}" type="slidenum">
+            <a:fld id="{3F028630-BFC1-4F13-9E7F-436826156852}" type="slidenum">
               <a:rPr lang="zh-CN" altLang="en-US" smtClean="0"/>
               <a:t>‹#›</a:t>
             </a:fld>
@@ -1873,7 +1873,7 @@
     </p:spTree>
     <p:extLst>
       <p:ext uri="{BB962C8B-B14F-4D97-AF65-F5344CB8AC3E}">
-        <p14:creationId xmlns:p14="http://schemas.microsoft.com/office/powerpoint/2010/main" val="822607304"/>
+        <p14:creationId xmlns:p14="http://schemas.microsoft.com/office/powerpoint/2010/main" val="3283774509"/>
       </p:ext>
     </p:extLst>
   </p:cSld>
@@ -1905,7 +1905,7 @@
           <p:cNvPr id="2" name="标题 1">
             <a:extLst>
               <a:ext uri="{FF2B5EF4-FFF2-40B4-BE49-F238E27FC236}">
-                <a16:creationId xmlns:a16="http://schemas.microsoft.com/office/drawing/2014/main" id="{7A81BB40-4C6C-D962-F66B-8809D8A713C2}"/>
+                <a16:creationId xmlns:a16="http://schemas.microsoft.com/office/drawing/2014/main" id="{6084025A-3649-F59D-0EA0-195C84AABCEE}"/>
               </a:ext>
             </a:extLst>
           </p:cNvPr>
@@ -1933,7 +1933,7 @@
           <p:cNvPr id="3" name="日期占位符 2">
             <a:extLst>
               <a:ext uri="{FF2B5EF4-FFF2-40B4-BE49-F238E27FC236}">
-                <a16:creationId xmlns:a16="http://schemas.microsoft.com/office/drawing/2014/main" id="{5AC4FF58-98C2-5360-229A-B1C27294297D}"/>
+                <a16:creationId xmlns:a16="http://schemas.microsoft.com/office/drawing/2014/main" id="{930768B8-B74A-78AA-BD3F-5D9EE6709916}"/>
               </a:ext>
             </a:extLst>
           </p:cNvPr>
@@ -1949,7 +1949,7 @@
           <a:bodyPr/>
           <a:lstStyle/>
           <a:p>
-            <a:fld id="{220D7B9F-D805-4023-B766-0405CB992E7E}" type="datetimeFigureOut">
+            <a:fld id="{8251C5C7-F8E5-4972-BDF8-715EEBF24941}" type="datetimeFigureOut">
               <a:rPr lang="zh-CN" altLang="en-US" smtClean="0"/>
               <a:t>2024/3/10</a:t>
             </a:fld>
@@ -1962,7 +1962,7 @@
           <p:cNvPr id="4" name="页脚占位符 3">
             <a:extLst>
               <a:ext uri="{FF2B5EF4-FFF2-40B4-BE49-F238E27FC236}">
-                <a16:creationId xmlns:a16="http://schemas.microsoft.com/office/drawing/2014/main" id="{518107C9-4A79-8360-FC5B-1B0E2DCE693D}"/>
+                <a16:creationId xmlns:a16="http://schemas.microsoft.com/office/drawing/2014/main" id="{B1881BDA-590A-C65D-5F61-A77C78A260AD}"/>
               </a:ext>
             </a:extLst>
           </p:cNvPr>
@@ -1987,7 +1987,7 @@
           <p:cNvPr id="5" name="灯片编号占位符 4">
             <a:extLst>
               <a:ext uri="{FF2B5EF4-FFF2-40B4-BE49-F238E27FC236}">
-                <a16:creationId xmlns:a16="http://schemas.microsoft.com/office/drawing/2014/main" id="{8704EE85-A458-C114-07E1-E653C8802FCE}"/>
+                <a16:creationId xmlns:a16="http://schemas.microsoft.com/office/drawing/2014/main" id="{766CFA4B-F9B5-1DB7-A9E0-B83A86BF4044}"/>
               </a:ext>
             </a:extLst>
           </p:cNvPr>
@@ -2003,7 +2003,7 @@
           <a:bodyPr/>
           <a:lstStyle/>
           <a:p>
-            <a:fld id="{ECB438BD-2403-4504-8E18-7FECDA56ED41}" type="slidenum">
+            <a:fld id="{3F028630-BFC1-4F13-9E7F-436826156852}" type="slidenum">
               <a:rPr lang="zh-CN" altLang="en-US" smtClean="0"/>
               <a:t>‹#›</a:t>
             </a:fld>
@@ -2014,7 +2014,7 @@
     </p:spTree>
     <p:extLst>
       <p:ext uri="{BB962C8B-B14F-4D97-AF65-F5344CB8AC3E}">
-        <p14:creationId xmlns:p14="http://schemas.microsoft.com/office/powerpoint/2010/main" val="2973213210"/>
+        <p14:creationId xmlns:p14="http://schemas.microsoft.com/office/powerpoint/2010/main" val="2470121301"/>
       </p:ext>
     </p:extLst>
   </p:cSld>
@@ -2046,7 +2046,7 @@
           <p:cNvPr id="2" name="日期占位符 1">
             <a:extLst>
               <a:ext uri="{FF2B5EF4-FFF2-40B4-BE49-F238E27FC236}">
-                <a16:creationId xmlns:a16="http://schemas.microsoft.com/office/drawing/2014/main" id="{8210D697-6FD5-5D70-B238-3E07AB7DAB1C}"/>
+                <a16:creationId xmlns:a16="http://schemas.microsoft.com/office/drawing/2014/main" id="{9CEF1D9D-2EE3-D4CB-51A5-61A29180A99D}"/>
               </a:ext>
             </a:extLst>
           </p:cNvPr>
@@ -2062,7 +2062,7 @@
           <a:bodyPr/>
           <a:lstStyle/>
           <a:p>
-            <a:fld id="{220D7B9F-D805-4023-B766-0405CB992E7E}" type="datetimeFigureOut">
+            <a:fld id="{8251C5C7-F8E5-4972-BDF8-715EEBF24941}" type="datetimeFigureOut">
               <a:rPr lang="zh-CN" altLang="en-US" smtClean="0"/>
               <a:t>2024/3/10</a:t>
             </a:fld>
@@ -2075,7 +2075,7 @@
           <p:cNvPr id="3" name="页脚占位符 2">
             <a:extLst>
               <a:ext uri="{FF2B5EF4-FFF2-40B4-BE49-F238E27FC236}">
-                <a16:creationId xmlns:a16="http://schemas.microsoft.com/office/drawing/2014/main" id="{74EE76C7-88F6-8F75-8A73-DFA31B60097B}"/>
+                <a16:creationId xmlns:a16="http://schemas.microsoft.com/office/drawing/2014/main" id="{6ABDF52E-CDBC-E318-ECE5-0217738C2AC1}"/>
               </a:ext>
             </a:extLst>
           </p:cNvPr>
@@ -2100,7 +2100,7 @@
           <p:cNvPr id="4" name="灯片编号占位符 3">
             <a:extLst>
               <a:ext uri="{FF2B5EF4-FFF2-40B4-BE49-F238E27FC236}">
-                <a16:creationId xmlns:a16="http://schemas.microsoft.com/office/drawing/2014/main" id="{141C43FB-34E3-C7AB-C6C0-2D72D36646A4}"/>
+                <a16:creationId xmlns:a16="http://schemas.microsoft.com/office/drawing/2014/main" id="{3618DAD1-1EDD-6513-5FA5-A6F9FBEBA201}"/>
               </a:ext>
             </a:extLst>
           </p:cNvPr>
@@ -2116,7 +2116,7 @@
           <a:bodyPr/>
           <a:lstStyle/>
           <a:p>
-            <a:fld id="{ECB438BD-2403-4504-8E18-7FECDA56ED41}" type="slidenum">
+            <a:fld id="{3F028630-BFC1-4F13-9E7F-436826156852}" type="slidenum">
               <a:rPr lang="zh-CN" altLang="en-US" smtClean="0"/>
               <a:t>‹#›</a:t>
             </a:fld>
@@ -2127,7 +2127,7 @@
     </p:spTree>
     <p:extLst>
       <p:ext uri="{BB962C8B-B14F-4D97-AF65-F5344CB8AC3E}">
-        <p14:creationId xmlns:p14="http://schemas.microsoft.com/office/powerpoint/2010/main" val="1313704630"/>
+        <p14:creationId xmlns:p14="http://schemas.microsoft.com/office/powerpoint/2010/main" val="4108399284"/>
       </p:ext>
     </p:extLst>
   </p:cSld>
@@ -2159,7 +2159,7 @@
           <p:cNvPr id="2" name="标题 1">
             <a:extLst>
               <a:ext uri="{FF2B5EF4-FFF2-40B4-BE49-F238E27FC236}">
-                <a16:creationId xmlns:a16="http://schemas.microsoft.com/office/drawing/2014/main" id="{2502F853-534A-56A0-43F2-BCD996D75B28}"/>
+                <a16:creationId xmlns:a16="http://schemas.microsoft.com/office/drawing/2014/main" id="{3A788466-182E-EBF3-0E49-CDB119BB0EDF}"/>
               </a:ext>
             </a:extLst>
           </p:cNvPr>
@@ -2196,7 +2196,7 @@
           <p:cNvPr id="3" name="内容占位符 2">
             <a:extLst>
               <a:ext uri="{FF2B5EF4-FFF2-40B4-BE49-F238E27FC236}">
-                <a16:creationId xmlns:a16="http://schemas.microsoft.com/office/drawing/2014/main" id="{1E00901F-A757-87F9-7E38-59550AA9EBED}"/>
+                <a16:creationId xmlns:a16="http://schemas.microsoft.com/office/drawing/2014/main" id="{F4DF1ACB-256A-4332-D306-4CB090A1A064}"/>
               </a:ext>
             </a:extLst>
           </p:cNvPr>
@@ -2286,7 +2286,7 @@
           <p:cNvPr id="4" name="文本占位符 3">
             <a:extLst>
               <a:ext uri="{FF2B5EF4-FFF2-40B4-BE49-F238E27FC236}">
-                <a16:creationId xmlns:a16="http://schemas.microsoft.com/office/drawing/2014/main" id="{C311C4FD-51ED-7E4B-BEC3-F3C7EAB53FD2}"/>
+                <a16:creationId xmlns:a16="http://schemas.microsoft.com/office/drawing/2014/main" id="{54CB561E-674D-18F4-41CA-34789EC0E0BC}"/>
               </a:ext>
             </a:extLst>
           </p:cNvPr>
@@ -2357,7 +2357,7 @@
           <p:cNvPr id="5" name="日期占位符 4">
             <a:extLst>
               <a:ext uri="{FF2B5EF4-FFF2-40B4-BE49-F238E27FC236}">
-                <a16:creationId xmlns:a16="http://schemas.microsoft.com/office/drawing/2014/main" id="{B7DE497A-41BF-99D2-4923-838FA67C1BF7}"/>
+                <a16:creationId xmlns:a16="http://schemas.microsoft.com/office/drawing/2014/main" id="{FFE2141D-A768-05CC-B370-67B591AD081A}"/>
               </a:ext>
             </a:extLst>
           </p:cNvPr>
@@ -2373,7 +2373,7 @@
           <a:bodyPr/>
           <a:lstStyle/>
           <a:p>
-            <a:fld id="{220D7B9F-D805-4023-B766-0405CB992E7E}" type="datetimeFigureOut">
+            <a:fld id="{8251C5C7-F8E5-4972-BDF8-715EEBF24941}" type="datetimeFigureOut">
               <a:rPr lang="zh-CN" altLang="en-US" smtClean="0"/>
               <a:t>2024/3/10</a:t>
             </a:fld>
@@ -2386,7 +2386,7 @@
           <p:cNvPr id="6" name="页脚占位符 5">
             <a:extLst>
               <a:ext uri="{FF2B5EF4-FFF2-40B4-BE49-F238E27FC236}">
-                <a16:creationId xmlns:a16="http://schemas.microsoft.com/office/drawing/2014/main" id="{941E5CD2-6881-289A-6E50-1F3C68325531}"/>
+                <a16:creationId xmlns:a16="http://schemas.microsoft.com/office/drawing/2014/main" id="{E74C8C97-AFE6-BD14-94C7-839F695B4939}"/>
               </a:ext>
             </a:extLst>
           </p:cNvPr>
@@ -2411,7 +2411,7 @@
           <p:cNvPr id="7" name="灯片编号占位符 6">
             <a:extLst>
               <a:ext uri="{FF2B5EF4-FFF2-40B4-BE49-F238E27FC236}">
-                <a16:creationId xmlns:a16="http://schemas.microsoft.com/office/drawing/2014/main" id="{F7C7791E-6E6B-6B45-F617-EDA9340DC6CF}"/>
+                <a16:creationId xmlns:a16="http://schemas.microsoft.com/office/drawing/2014/main" id="{6DF36544-0A37-6493-DD23-78EC63A9155C}"/>
               </a:ext>
             </a:extLst>
           </p:cNvPr>
@@ -2427,7 +2427,7 @@
           <a:bodyPr/>
           <a:lstStyle/>
           <a:p>
-            <a:fld id="{ECB438BD-2403-4504-8E18-7FECDA56ED41}" type="slidenum">
+            <a:fld id="{3F028630-BFC1-4F13-9E7F-436826156852}" type="slidenum">
               <a:rPr lang="zh-CN" altLang="en-US" smtClean="0"/>
               <a:t>‹#›</a:t>
             </a:fld>
@@ -2438,7 +2438,7 @@
     </p:spTree>
     <p:extLst>
       <p:ext uri="{BB962C8B-B14F-4D97-AF65-F5344CB8AC3E}">
-        <p14:creationId xmlns:p14="http://schemas.microsoft.com/office/powerpoint/2010/main" val="107080202"/>
+        <p14:creationId xmlns:p14="http://schemas.microsoft.com/office/powerpoint/2010/main" val="2252887544"/>
       </p:ext>
     </p:extLst>
   </p:cSld>
@@ -2470,7 +2470,7 @@
           <p:cNvPr id="2" name="标题 1">
             <a:extLst>
               <a:ext uri="{FF2B5EF4-FFF2-40B4-BE49-F238E27FC236}">
-                <a16:creationId xmlns:a16="http://schemas.microsoft.com/office/drawing/2014/main" id="{A013AF28-8413-2375-42F6-17C67053130C}"/>
+                <a16:creationId xmlns:a16="http://schemas.microsoft.com/office/drawing/2014/main" id="{67A676CE-4747-17C7-B184-A1008AF6400B}"/>
               </a:ext>
             </a:extLst>
           </p:cNvPr>
@@ -2507,7 +2507,7 @@
           <p:cNvPr id="3" name="图片占位符 2">
             <a:extLst>
               <a:ext uri="{FF2B5EF4-FFF2-40B4-BE49-F238E27FC236}">
-                <a16:creationId xmlns:a16="http://schemas.microsoft.com/office/drawing/2014/main" id="{479E9448-743F-EE5C-F2CB-9DAB3C28E999}"/>
+                <a16:creationId xmlns:a16="http://schemas.microsoft.com/office/drawing/2014/main" id="{633841B8-D4FB-0CAD-5F7E-03B93DC633DD}"/>
               </a:ext>
             </a:extLst>
           </p:cNvPr>
@@ -2574,7 +2574,7 @@
           <p:cNvPr id="4" name="文本占位符 3">
             <a:extLst>
               <a:ext uri="{FF2B5EF4-FFF2-40B4-BE49-F238E27FC236}">
-                <a16:creationId xmlns:a16="http://schemas.microsoft.com/office/drawing/2014/main" id="{BF652BE6-5556-4B4D-E38B-CD45C3B71A22}"/>
+                <a16:creationId xmlns:a16="http://schemas.microsoft.com/office/drawing/2014/main" id="{9B0F46E3-47CA-257C-98DE-4246686943E5}"/>
               </a:ext>
             </a:extLst>
           </p:cNvPr>
@@ -2645,7 +2645,7 @@
           <p:cNvPr id="5" name="日期占位符 4">
             <a:extLst>
               <a:ext uri="{FF2B5EF4-FFF2-40B4-BE49-F238E27FC236}">
-                <a16:creationId xmlns:a16="http://schemas.microsoft.com/office/drawing/2014/main" id="{1C3238D6-E186-1F49-BCA7-471C6FBAFAC0}"/>
+                <a16:creationId xmlns:a16="http://schemas.microsoft.com/office/drawing/2014/main" id="{82D58CCE-3351-59B5-B48C-7AD4ED31AC74}"/>
               </a:ext>
             </a:extLst>
           </p:cNvPr>
@@ -2661,7 +2661,7 @@
           <a:bodyPr/>
           <a:lstStyle/>
           <a:p>
-            <a:fld id="{220D7B9F-D805-4023-B766-0405CB992E7E}" type="datetimeFigureOut">
+            <a:fld id="{8251C5C7-F8E5-4972-BDF8-715EEBF24941}" type="datetimeFigureOut">
               <a:rPr lang="zh-CN" altLang="en-US" smtClean="0"/>
               <a:t>2024/3/10</a:t>
             </a:fld>
@@ -2674,7 +2674,7 @@
           <p:cNvPr id="6" name="页脚占位符 5">
             <a:extLst>
               <a:ext uri="{FF2B5EF4-FFF2-40B4-BE49-F238E27FC236}">
-                <a16:creationId xmlns:a16="http://schemas.microsoft.com/office/drawing/2014/main" id="{A53D4575-9BF3-48E2-7D3F-AC4E690B4F37}"/>
+                <a16:creationId xmlns:a16="http://schemas.microsoft.com/office/drawing/2014/main" id="{B39DE740-51F6-844A-0F3A-D065D81F578A}"/>
               </a:ext>
             </a:extLst>
           </p:cNvPr>
@@ -2699,7 +2699,7 @@
           <p:cNvPr id="7" name="灯片编号占位符 6">
             <a:extLst>
               <a:ext uri="{FF2B5EF4-FFF2-40B4-BE49-F238E27FC236}">
-                <a16:creationId xmlns:a16="http://schemas.microsoft.com/office/drawing/2014/main" id="{4E3110AD-8315-25C5-B32B-E047A658FAD0}"/>
+                <a16:creationId xmlns:a16="http://schemas.microsoft.com/office/drawing/2014/main" id="{32B9DAF5-AFE7-3ACA-224C-0374D7673175}"/>
               </a:ext>
             </a:extLst>
           </p:cNvPr>
@@ -2715,7 +2715,7 @@
           <a:bodyPr/>
           <a:lstStyle/>
           <a:p>
-            <a:fld id="{ECB438BD-2403-4504-8E18-7FECDA56ED41}" type="slidenum">
+            <a:fld id="{3F028630-BFC1-4F13-9E7F-436826156852}" type="slidenum">
               <a:rPr lang="zh-CN" altLang="en-US" smtClean="0"/>
               <a:t>‹#›</a:t>
             </a:fld>
@@ -2726,7 +2726,7 @@
     </p:spTree>
     <p:extLst>
       <p:ext uri="{BB962C8B-B14F-4D97-AF65-F5344CB8AC3E}">
-        <p14:creationId xmlns:p14="http://schemas.microsoft.com/office/powerpoint/2010/main" val="314585818"/>
+        <p14:creationId xmlns:p14="http://schemas.microsoft.com/office/powerpoint/2010/main" val="4020730423"/>
       </p:ext>
     </p:extLst>
   </p:cSld>
@@ -2763,7 +2763,7 @@
           <p:cNvPr id="2" name="标题占位符 1">
             <a:extLst>
               <a:ext uri="{FF2B5EF4-FFF2-40B4-BE49-F238E27FC236}">
-                <a16:creationId xmlns:a16="http://schemas.microsoft.com/office/drawing/2014/main" id="{92F48A0A-9230-B0DA-7EFD-347480ECF706}"/>
+                <a16:creationId xmlns:a16="http://schemas.microsoft.com/office/drawing/2014/main" id="{29654936-2857-1436-49E5-A1EE87CFEFC5}"/>
               </a:ext>
             </a:extLst>
           </p:cNvPr>
@@ -2801,7 +2801,7 @@
           <p:cNvPr id="3" name="文本占位符 2">
             <a:extLst>
               <a:ext uri="{FF2B5EF4-FFF2-40B4-BE49-F238E27FC236}">
-                <a16:creationId xmlns:a16="http://schemas.microsoft.com/office/drawing/2014/main" id="{9BCCBAF5-50FF-5FEE-44E6-8301FC4B9541}"/>
+                <a16:creationId xmlns:a16="http://schemas.microsoft.com/office/drawing/2014/main" id="{AF51A2B0-BA5F-3B00-2F9F-DED56D6242F6}"/>
               </a:ext>
             </a:extLst>
           </p:cNvPr>
@@ -2868,7 +2868,7 @@
           <p:cNvPr id="4" name="日期占位符 3">
             <a:extLst>
               <a:ext uri="{FF2B5EF4-FFF2-40B4-BE49-F238E27FC236}">
-                <a16:creationId xmlns:a16="http://schemas.microsoft.com/office/drawing/2014/main" id="{1E81E7B2-7332-9850-64FF-2A776ED6DC2D}"/>
+                <a16:creationId xmlns:a16="http://schemas.microsoft.com/office/drawing/2014/main" id="{FB9CD5CE-60C2-A228-53D6-9B14A179E291}"/>
               </a:ext>
             </a:extLst>
           </p:cNvPr>
@@ -2902,7 +2902,7 @@
             </a:lvl1pPr>
           </a:lstStyle>
           <a:p>
-            <a:fld id="{220D7B9F-D805-4023-B766-0405CB992E7E}" type="datetimeFigureOut">
+            <a:fld id="{8251C5C7-F8E5-4972-BDF8-715EEBF24941}" type="datetimeFigureOut">
               <a:rPr lang="zh-CN" altLang="en-US" smtClean="0"/>
               <a:t>2024/3/10</a:t>
             </a:fld>
@@ -2915,7 +2915,7 @@
           <p:cNvPr id="5" name="页脚占位符 4">
             <a:extLst>
               <a:ext uri="{FF2B5EF4-FFF2-40B4-BE49-F238E27FC236}">
-                <a16:creationId xmlns:a16="http://schemas.microsoft.com/office/drawing/2014/main" id="{DD58F2D3-36DD-8FA9-A188-813C19248DA4}"/>
+                <a16:creationId xmlns:a16="http://schemas.microsoft.com/office/drawing/2014/main" id="{E19DF275-16C5-B5EA-128B-6120F44C5E91}"/>
               </a:ext>
             </a:extLst>
           </p:cNvPr>
@@ -2958,7 +2958,7 @@
           <p:cNvPr id="6" name="灯片编号占位符 5">
             <a:extLst>
               <a:ext uri="{FF2B5EF4-FFF2-40B4-BE49-F238E27FC236}">
-                <a16:creationId xmlns:a16="http://schemas.microsoft.com/office/drawing/2014/main" id="{A02CCD9C-27C5-9AA3-8DAB-B42A4B0A468F}"/>
+                <a16:creationId xmlns:a16="http://schemas.microsoft.com/office/drawing/2014/main" id="{12866C8D-C5BA-6E1D-5375-1BACF973E866}"/>
               </a:ext>
             </a:extLst>
           </p:cNvPr>
@@ -2992,7 +2992,7 @@
             </a:lvl1pPr>
           </a:lstStyle>
           <a:p>
-            <a:fld id="{ECB438BD-2403-4504-8E18-7FECDA56ED41}" type="slidenum">
+            <a:fld id="{3F028630-BFC1-4F13-9E7F-436826156852}" type="slidenum">
               <a:rPr lang="zh-CN" altLang="en-US" smtClean="0"/>
               <a:t>‹#›</a:t>
             </a:fld>
@@ -3003,7 +3003,7 @@
     </p:spTree>
     <p:extLst>
       <p:ext uri="{BB962C8B-B14F-4D97-AF65-F5344CB8AC3E}">
-        <p14:creationId xmlns:p14="http://schemas.microsoft.com/office/powerpoint/2010/main" val="1908692071"/>
+        <p14:creationId xmlns:p14="http://schemas.microsoft.com/office/powerpoint/2010/main" val="228541087"/>
       </p:ext>
     </p:extLst>
   </p:cSld>
@@ -3323,7 +3323,7 @@
       </p:grpSpPr>
       <p:pic>
         <p:nvPicPr>
-          <p:cNvPr id="636930" name="Picture 2" descr="621"/>
+          <p:cNvPr id="637954" name="Picture 2" descr="622"/>
           <p:cNvPicPr>
             <a:picLocks noChangeAspect="1" noChangeArrowheads="1"/>
           </p:cNvPicPr>
@@ -3345,7 +3345,7 @@
         <p:spPr bwMode="auto">
           <a:xfrm>
             <a:off x="1524000" y="0"/>
-            <a:ext cx="9144000" cy="5949950"/>
+            <a:ext cx="9144000" cy="6858000"/>
           </a:xfrm>
           <a:prstGeom prst="rect">
             <a:avLst/>
